--- a/slides/11-paired-data.pptx
+++ b/slides/11-paired-data.pptx
@@ -235,7 +235,7 @@
           <a:p>
             <a:fld id="{2DA3ADC8-0AFD-F647-904F-5290280CD8F0}" type="datetimeFigureOut">
               <a:rPr lang="en-US" smtClean="0"/>
-              <a:t>10/23/23</a:t>
+              <a:t>10/24/23</a:t>
             </a:fld>
             <a:endParaRPr lang="en-US"/>
           </a:p>
@@ -3881,7 +3881,7 @@
           <a:p>
             <a:fld id="{42BD1637-0D27-F54B-A3CE-C829B5942E2D}" type="datetimeFigureOut">
               <a:rPr lang="en-US" smtClean="0"/>
-              <a:t>10/23/23</a:t>
+              <a:t>10/24/23</a:t>
             </a:fld>
             <a:endParaRPr lang="en-US"/>
           </a:p>
@@ -4051,7 +4051,7 @@
           <a:p>
             <a:fld id="{42BD1637-0D27-F54B-A3CE-C829B5942E2D}" type="datetimeFigureOut">
               <a:rPr lang="en-US" smtClean="0"/>
-              <a:t>10/23/23</a:t>
+              <a:t>10/24/23</a:t>
             </a:fld>
             <a:endParaRPr lang="en-US"/>
           </a:p>
@@ -4231,7 +4231,7 @@
           <a:p>
             <a:fld id="{42BD1637-0D27-F54B-A3CE-C829B5942E2D}" type="datetimeFigureOut">
               <a:rPr lang="en-US" smtClean="0"/>
-              <a:t>10/23/23</a:t>
+              <a:t>10/24/23</a:t>
             </a:fld>
             <a:endParaRPr lang="en-US"/>
           </a:p>
@@ -6363,7 +6363,7 @@
           <a:p>
             <a:fld id="{42BD1637-0D27-F54B-A3CE-C829B5942E2D}" type="datetimeFigureOut">
               <a:rPr lang="en-US" smtClean="0"/>
-              <a:t>10/23/23</a:t>
+              <a:t>10/24/23</a:t>
             </a:fld>
             <a:endParaRPr lang="en-US"/>
           </a:p>
@@ -6617,7 +6617,7 @@
           <a:p>
             <a:fld id="{42BD1637-0D27-F54B-A3CE-C829B5942E2D}" type="datetimeFigureOut">
               <a:rPr lang="en-US" smtClean="0"/>
-              <a:t>10/23/23</a:t>
+              <a:t>10/24/23</a:t>
             </a:fld>
             <a:endParaRPr lang="en-US"/>
           </a:p>
@@ -6905,7 +6905,7 @@
           <a:p>
             <a:fld id="{42BD1637-0D27-F54B-A3CE-C829B5942E2D}" type="datetimeFigureOut">
               <a:rPr lang="en-US" smtClean="0"/>
-              <a:t>10/23/23</a:t>
+              <a:t>10/24/23</a:t>
             </a:fld>
             <a:endParaRPr lang="en-US"/>
           </a:p>
@@ -7347,7 +7347,7 @@
           <a:p>
             <a:fld id="{42BD1637-0D27-F54B-A3CE-C829B5942E2D}" type="datetimeFigureOut">
               <a:rPr lang="en-US" smtClean="0"/>
-              <a:t>10/23/23</a:t>
+              <a:t>10/24/23</a:t>
             </a:fld>
             <a:endParaRPr lang="en-US"/>
           </a:p>
@@ -7465,7 +7465,7 @@
           <a:p>
             <a:fld id="{42BD1637-0D27-F54B-A3CE-C829B5942E2D}" type="datetimeFigureOut">
               <a:rPr lang="en-US" smtClean="0"/>
-              <a:t>10/23/23</a:t>
+              <a:t>10/24/23</a:t>
             </a:fld>
             <a:endParaRPr lang="en-US"/>
           </a:p>
@@ -7560,7 +7560,7 @@
           <a:p>
             <a:fld id="{42BD1637-0D27-F54B-A3CE-C829B5942E2D}" type="datetimeFigureOut">
               <a:rPr lang="en-US" smtClean="0"/>
-              <a:t>10/23/23</a:t>
+              <a:t>10/24/23</a:t>
             </a:fld>
             <a:endParaRPr lang="en-US"/>
           </a:p>
@@ -7848,7 +7848,7 @@
           <a:p>
             <a:fld id="{42BD1637-0D27-F54B-A3CE-C829B5942E2D}" type="datetimeFigureOut">
               <a:rPr lang="en-US" smtClean="0"/>
-              <a:t>10/23/23</a:t>
+              <a:t>10/24/23</a:t>
             </a:fld>
             <a:endParaRPr lang="en-US"/>
           </a:p>
@@ -8121,7 +8121,7 @@
           <a:p>
             <a:fld id="{42BD1637-0D27-F54B-A3CE-C829B5942E2D}" type="datetimeFigureOut">
               <a:rPr lang="en-US" smtClean="0"/>
-              <a:t>10/23/23</a:t>
+              <a:t>10/24/23</a:t>
             </a:fld>
             <a:endParaRPr lang="en-US"/>
           </a:p>
@@ -8418,7 +8418,7 @@
           <a:p>
             <a:fld id="{42BD1637-0D27-F54B-A3CE-C829B5942E2D}" type="datetimeFigureOut">
               <a:rPr lang="en-US" smtClean="0"/>
-              <a:t>10/23/23</a:t>
+              <a:t>10/24/23</a:t>
             </a:fld>
             <a:endParaRPr lang="en-US"/>
           </a:p>
@@ -14084,8 +14084,8 @@
           </a:ln>
         </p:spPr>
       </p:pic>
-      <mc:AlternateContent xmlns:mc="http://schemas.openxmlformats.org/markup-compatibility/2006">
-        <mc:Choice xmlns:a14="http://schemas.microsoft.com/office/drawing/2010/main" Requires="a14">
+      <mc:AlternateContent xmlns:mc="http://schemas.openxmlformats.org/markup-compatibility/2006" xmlns:a14="http://schemas.microsoft.com/office/drawing/2010/main">
+        <mc:Choice Requires="a14">
           <p:sp>
             <p:nvSpPr>
               <p:cNvPr id="2" name="TextBox 1">
@@ -14114,6 +14114,7 @@
               </a:bodyPr>
               <a:lstStyle/>
               <a:p>
+                <a:pPr/>
                 <a14:m>
                   <m:oMathPara xmlns:m="http://schemas.openxmlformats.org/officeDocument/2006/math">
                     <m:oMathParaPr>
@@ -14198,7 +14199,7 @@
             </p:txBody>
           </p:sp>
         </mc:Choice>
-        <mc:Fallback>
+        <mc:Fallback xmlns="">
           <p:sp>
             <p:nvSpPr>
               <p:cNvPr id="2" name="TextBox 1">
@@ -14260,7 +14261,7 @@
             <p:spPr>
               <a:xfrm>
                 <a:off x="6819372" y="3814211"/>
-                <a:ext cx="1395936" cy="699102"/>
+                <a:ext cx="1395936" cy="701474"/>
               </a:xfrm>
               <a:prstGeom prst="rect">
                 <a:avLst/>
@@ -14273,6 +14274,7 @@
               </a:bodyPr>
               <a:lstStyle/>
               <a:p>
+                <a:pPr/>
                 <a14:m>
                   <m:oMathPara xmlns:m="http://schemas.openxmlformats.org/officeDocument/2006/math">
                     <m:oMathParaPr>
@@ -14301,11 +14303,10 @@
                         </m:fPr>
                         <m:num>
                           <m:r>
-                            <a:rPr lang="en-US" sz="2400" i="1" smtClean="0">
+                            <a:rPr lang="en-US" sz="2400" b="0" i="1" smtClean="0">
                               <a:latin typeface="Cambria Math" panose="02040503050406030204" pitchFamily="18" charset="0"/>
-                              <a:ea typeface="Cambria Math" panose="02040503050406030204" pitchFamily="18" charset="0"/>
                             </a:rPr>
-                            <m:t>𝜎</m:t>
+                            <m:t>𝑠</m:t>
                           </m:r>
                         </m:num>
                         <m:den>
@@ -14356,7 +14357,7 @@
             <p:spPr>
               <a:xfrm>
                 <a:off x="6819372" y="3814211"/>
-                <a:ext cx="1395936" cy="699102"/>
+                <a:ext cx="1395936" cy="701474"/>
               </a:xfrm>
               <a:prstGeom prst="rect">
                 <a:avLst/>
@@ -14383,8 +14384,8 @@
           </p:sp>
         </mc:Fallback>
       </mc:AlternateContent>
-      <mc:AlternateContent xmlns:mc="http://schemas.openxmlformats.org/markup-compatibility/2006">
-        <mc:Choice xmlns:a14="http://schemas.microsoft.com/office/drawing/2010/main" Requires="a14">
+      <mc:AlternateContent xmlns:mc="http://schemas.openxmlformats.org/markup-compatibility/2006" xmlns:a14="http://schemas.microsoft.com/office/drawing/2010/main">
+        <mc:Choice Requires="a14">
           <p:sp>
             <p:nvSpPr>
               <p:cNvPr id="4" name="TextBox 3">
@@ -14413,6 +14414,7 @@
               </a:bodyPr>
               <a:lstStyle/>
               <a:p>
+                <a:pPr/>
                 <a14:m>
                   <m:oMathPara xmlns:m="http://schemas.openxmlformats.org/officeDocument/2006/math">
                     <m:oMathParaPr>
@@ -14451,7 +14453,7 @@
             </p:txBody>
           </p:sp>
         </mc:Choice>
-        <mc:Fallback>
+        <mc:Fallback xmlns="">
           <p:sp>
             <p:nvSpPr>
               <p:cNvPr id="4" name="TextBox 3">
@@ -14795,8 +14797,8 @@
           </a:ln>
         </p:spPr>
       </p:pic>
-      <mc:AlternateContent xmlns:mc="http://schemas.openxmlformats.org/markup-compatibility/2006">
-        <mc:Choice xmlns:a14="http://schemas.microsoft.com/office/drawing/2010/main" Requires="a14">
+      <mc:AlternateContent xmlns:mc="http://schemas.openxmlformats.org/markup-compatibility/2006" xmlns:a14="http://schemas.microsoft.com/office/drawing/2010/main">
+        <mc:Choice Requires="a14">
           <p:sp>
             <p:nvSpPr>
               <p:cNvPr id="11" name="TextBox 10">
@@ -14825,6 +14827,7 @@
               </a:bodyPr>
               <a:lstStyle/>
               <a:p>
+                <a:pPr/>
                 <a14:m>
                   <m:oMathPara xmlns:m="http://schemas.openxmlformats.org/officeDocument/2006/math">
                     <m:oMathParaPr>
@@ -14909,7 +14912,7 @@
             </p:txBody>
           </p:sp>
         </mc:Choice>
-        <mc:Fallback>
+        <mc:Fallback xmlns="">
           <p:sp>
             <p:nvSpPr>
               <p:cNvPr id="11" name="TextBox 10">
@@ -14971,7 +14974,7 @@
             <p:spPr>
               <a:xfrm>
                 <a:off x="6819372" y="3814211"/>
-                <a:ext cx="1395936" cy="699102"/>
+                <a:ext cx="1395936" cy="701474"/>
               </a:xfrm>
               <a:prstGeom prst="rect">
                 <a:avLst/>
@@ -14984,6 +14987,7 @@
               </a:bodyPr>
               <a:lstStyle/>
               <a:p>
+                <a:pPr/>
                 <a14:m>
                   <m:oMathPara xmlns:m="http://schemas.openxmlformats.org/officeDocument/2006/math">
                     <m:oMathParaPr>
@@ -15012,11 +15016,10 @@
                         </m:fPr>
                         <m:num>
                           <m:r>
-                            <a:rPr lang="en-US" sz="2400" i="1" smtClean="0">
+                            <a:rPr lang="en-US" sz="2400" b="0" i="1" smtClean="0">
                               <a:latin typeface="Cambria Math" panose="02040503050406030204" pitchFamily="18" charset="0"/>
-                              <a:ea typeface="Cambria Math" panose="02040503050406030204" pitchFamily="18" charset="0"/>
                             </a:rPr>
-                            <m:t>𝜎</m:t>
+                            <m:t>𝑠</m:t>
                           </m:r>
                         </m:num>
                         <m:den>
@@ -15067,7 +15070,7 @@
             <p:spPr>
               <a:xfrm>
                 <a:off x="6819372" y="3814211"/>
-                <a:ext cx="1395936" cy="699102"/>
+                <a:ext cx="1395936" cy="701474"/>
               </a:xfrm>
               <a:prstGeom prst="rect">
                 <a:avLst/>
@@ -15094,8 +15097,8 @@
           </p:sp>
         </mc:Fallback>
       </mc:AlternateContent>
-      <mc:AlternateContent xmlns:mc="http://schemas.openxmlformats.org/markup-compatibility/2006">
-        <mc:Choice xmlns:a14="http://schemas.microsoft.com/office/drawing/2010/main" Requires="a14">
+      <mc:AlternateContent xmlns:mc="http://schemas.openxmlformats.org/markup-compatibility/2006" xmlns:a14="http://schemas.microsoft.com/office/drawing/2010/main">
+        <mc:Choice Requires="a14">
           <p:sp>
             <p:nvSpPr>
               <p:cNvPr id="13" name="TextBox 12">
@@ -15124,6 +15127,7 @@
               </a:bodyPr>
               <a:lstStyle/>
               <a:p>
+                <a:pPr/>
                 <a14:m>
                   <m:oMathPara xmlns:m="http://schemas.openxmlformats.org/officeDocument/2006/math">
                     <m:oMathParaPr>
@@ -15162,7 +15166,7 @@
             </p:txBody>
           </p:sp>
         </mc:Choice>
-        <mc:Fallback>
+        <mc:Fallback xmlns="">
           <p:sp>
             <p:nvSpPr>
               <p:cNvPr id="13" name="TextBox 12">
@@ -17400,8 +17404,8 @@
           </a:p>
         </p:txBody>
       </p:sp>
-      <mc:AlternateContent xmlns:mc="http://schemas.openxmlformats.org/markup-compatibility/2006">
-        <mc:Choice xmlns:a14="http://schemas.microsoft.com/office/drawing/2010/main" Requires="a14">
+      <mc:AlternateContent xmlns:mc="http://schemas.openxmlformats.org/markup-compatibility/2006" xmlns:a14="http://schemas.microsoft.com/office/drawing/2010/main">
+        <mc:Choice Requires="a14">
           <p:sp>
             <p:nvSpPr>
               <p:cNvPr id="3" name="TextBox 2">
@@ -17430,6 +17434,7 @@
               </a:bodyPr>
               <a:lstStyle/>
               <a:p>
+                <a:pPr/>
                 <a14:m>
                   <m:oMathPara xmlns:m="http://schemas.openxmlformats.org/officeDocument/2006/math">
                     <m:oMathParaPr>
@@ -17529,7 +17534,7 @@
             </p:txBody>
           </p:sp>
         </mc:Choice>
-        <mc:Fallback>
+        <mc:Fallback xmlns="">
           <p:sp>
             <p:nvSpPr>
               <p:cNvPr id="3" name="TextBox 2">
@@ -17835,8 +17840,8 @@
         </p:blipFill>
         <p:spPr>
           <a:xfrm>
-            <a:off x="5223164" y="4293261"/>
-            <a:ext cx="5619750" cy="1933575"/>
+            <a:off x="5223164" y="4293260"/>
+            <a:ext cx="5619750" cy="1938528"/>
           </a:xfrm>
           <a:prstGeom prst="rect">
             <a:avLst/>
@@ -17895,8 +17900,8 @@
           </a:p>
         </p:txBody>
       </p:sp>
-      <mc:AlternateContent xmlns:mc="http://schemas.openxmlformats.org/markup-compatibility/2006">
-        <mc:Choice xmlns:a14="http://schemas.microsoft.com/office/drawing/2010/main" Requires="a14">
+      <mc:AlternateContent xmlns:mc="http://schemas.openxmlformats.org/markup-compatibility/2006" xmlns:a14="http://schemas.microsoft.com/office/drawing/2010/main">
+        <mc:Choice Requires="a14">
           <p:sp>
             <p:nvSpPr>
               <p:cNvPr id="3" name="TextBox 2">
@@ -17925,6 +17930,7 @@
               </a:bodyPr>
               <a:lstStyle/>
               <a:p>
+                <a:pPr/>
                 <a14:m>
                   <m:oMathPara xmlns:m="http://schemas.openxmlformats.org/officeDocument/2006/math">
                     <m:oMathParaPr>
@@ -18024,7 +18030,7 @@
             </p:txBody>
           </p:sp>
         </mc:Choice>
-        <mc:Fallback>
+        <mc:Fallback xmlns="">
           <p:sp>
             <p:nvSpPr>
               <p:cNvPr id="3" name="TextBox 2">
@@ -18069,6 +18075,43 @@
           </p:sp>
         </mc:Fallback>
       </mc:AlternateContent>
+      <p:sp>
+        <p:nvSpPr>
+          <p:cNvPr id="4" name="TextBox 3">
+            <a:extLst>
+              <a:ext uri="{FF2B5EF4-FFF2-40B4-BE49-F238E27FC236}">
+                <a16:creationId xmlns:a16="http://schemas.microsoft.com/office/drawing/2014/main" id="{D595E1DA-1E07-ADD9-97F2-6CEBFA9A2FD7}"/>
+              </a:ext>
+            </a:extLst>
+          </p:cNvPr>
+          <p:cNvSpPr txBox="1"/>
+          <p:nvPr/>
+        </p:nvSpPr>
+        <p:spPr>
+          <a:xfrm>
+            <a:off x="9213111" y="4554424"/>
+            <a:ext cx="620269" cy="338554"/>
+          </a:xfrm>
+          <a:prstGeom prst="rect">
+            <a:avLst/>
+          </a:prstGeom>
+          <a:solidFill>
+            <a:schemeClr val="bg1"/>
+          </a:solidFill>
+        </p:spPr>
+        <p:txBody>
+          <a:bodyPr wrap="square" rtlCol="0">
+            <a:spAutoFit/>
+          </a:bodyPr>
+          <a:lstStyle/>
+          <a:p>
+            <a:r>
+              <a:rPr lang="en-US" sz="1600" dirty="0"/>
+              <a:t>1.97</a:t>
+            </a:r>
+          </a:p>
+        </p:txBody>
+      </p:sp>
     </p:spTree>
     <p:extLst>
       <p:ext uri="{BB962C8B-B14F-4D97-AF65-F5344CB8AC3E}">
@@ -19046,8 +19089,8 @@
           </a:prstGeom>
         </p:spPr>
       </p:pic>
-      <mc:AlternateContent xmlns:mc="http://schemas.openxmlformats.org/markup-compatibility/2006">
-        <mc:Choice xmlns:a14="http://schemas.microsoft.com/office/drawing/2010/main" Requires="a14">
+      <mc:AlternateContent xmlns:mc="http://schemas.openxmlformats.org/markup-compatibility/2006" xmlns:a14="http://schemas.microsoft.com/office/drawing/2010/main">
+        <mc:Choice Requires="a14">
           <p:sp>
             <p:nvSpPr>
               <p:cNvPr id="14" name="TextBox 13">
@@ -19076,6 +19119,7 @@
               </a:bodyPr>
               <a:lstStyle/>
               <a:p>
+                <a:pPr/>
                 <a14:m>
                   <m:oMathPara xmlns:m="http://schemas.openxmlformats.org/officeDocument/2006/math">
                     <m:oMathParaPr>
@@ -19150,7 +19194,7 @@
             </p:txBody>
           </p:sp>
         </mc:Choice>
-        <mc:Fallback>
+        <mc:Fallback xmlns="">
           <p:sp>
             <p:nvSpPr>
               <p:cNvPr id="14" name="TextBox 13">
